--- a/Aulas/Aula6/Aula06_Pandas_Parte2.pptx
+++ b/Aulas/Aula6/Aula06_Pandas_Parte2.pptx
@@ -5,7 +5,7 @@
     <p:sldMasterId id="2147483687" r:id="rId1"/>
   </p:sldMasterIdLst>
   <p:notesMasterIdLst>
-    <p:notesMasterId r:id="rId20"/>
+    <p:notesMasterId r:id="rId21"/>
   </p:notesMasterIdLst>
   <p:sldIdLst>
     <p:sldId id="256" r:id="rId2"/>
@@ -25,7 +25,8 @@
     <p:sldId id="432" r:id="rId16"/>
     <p:sldId id="450" r:id="rId17"/>
     <p:sldId id="451" r:id="rId18"/>
-    <p:sldId id="418" r:id="rId19"/>
+    <p:sldId id="547" r:id="rId19"/>
+    <p:sldId id="418" r:id="rId20"/>
   </p:sldIdLst>
   <p:sldSz cx="13439775" cy="7559675"/>
   <p:notesSz cx="7559675" cy="10691813"/>
@@ -217,7 +218,7 @@
           <a:p>
             <a:fld id="{2CF95E83-F819-452B-8E20-EE6471E630CB}" type="datetimeFigureOut">
               <a:rPr lang="pt-BR" smtClean="0"/>
-              <a:t>07/09/2025</a:t>
+              <a:t>09/09/2025</a:t>
             </a:fld>
             <a:endParaRPr lang="pt-BR"/>
           </a:p>
@@ -1254,7 +1255,7 @@
           <a:p>
             <a:fld id="{DA9F4618-11DA-4336-9A08-E05DD3D30824}" type="datetimeFigureOut">
               <a:rPr lang="pt-BR" smtClean="0"/>
-              <a:t>07/09/2025</a:t>
+              <a:t>09/09/2025</a:t>
             </a:fld>
             <a:endParaRPr lang="pt-BR"/>
           </a:p>
@@ -1468,7 +1469,7 @@
           <a:p>
             <a:fld id="{DA9F4618-11DA-4336-9A08-E05DD3D30824}" type="datetimeFigureOut">
               <a:rPr lang="pt-BR" smtClean="0"/>
-              <a:t>07/09/2025</a:t>
+              <a:t>09/09/2025</a:t>
             </a:fld>
             <a:endParaRPr lang="pt-BR"/>
           </a:p>
@@ -1692,7 +1693,7 @@
           <a:p>
             <a:fld id="{DA9F4618-11DA-4336-9A08-E05DD3D30824}" type="datetimeFigureOut">
               <a:rPr lang="pt-BR" smtClean="0"/>
-              <a:t>07/09/2025</a:t>
+              <a:t>09/09/2025</a:t>
             </a:fld>
             <a:endParaRPr lang="pt-BR"/>
           </a:p>
@@ -2160,7 +2161,7 @@
           <a:p>
             <a:fld id="{DA9F4618-11DA-4336-9A08-E05DD3D30824}" type="datetimeFigureOut">
               <a:rPr lang="pt-BR" smtClean="0"/>
-              <a:t>07/09/2025</a:t>
+              <a:t>09/09/2025</a:t>
             </a:fld>
             <a:endParaRPr lang="pt-BR"/>
           </a:p>
@@ -2441,7 +2442,7 @@
           <a:p>
             <a:fld id="{DA9F4618-11DA-4336-9A08-E05DD3D30824}" type="datetimeFigureOut">
               <a:rPr lang="pt-BR" smtClean="0"/>
-              <a:t>07/09/2025</a:t>
+              <a:t>09/09/2025</a:t>
             </a:fld>
             <a:endParaRPr lang="pt-BR"/>
           </a:p>
@@ -2869,7 +2870,7 @@
           <a:p>
             <a:fld id="{DA9F4618-11DA-4336-9A08-E05DD3D30824}" type="datetimeFigureOut">
               <a:rPr lang="pt-BR" smtClean="0"/>
-              <a:t>07/09/2025</a:t>
+              <a:t>09/09/2025</a:t>
             </a:fld>
             <a:endParaRPr lang="pt-BR"/>
           </a:p>
@@ -3026,7 +3027,7 @@
           <a:p>
             <a:fld id="{DA9F4618-11DA-4336-9A08-E05DD3D30824}" type="datetimeFigureOut">
               <a:rPr lang="pt-BR" smtClean="0"/>
-              <a:t>07/09/2025</a:t>
+              <a:t>09/09/2025</a:t>
             </a:fld>
             <a:endParaRPr lang="pt-BR"/>
           </a:p>
@@ -3155,7 +3156,7 @@
           <a:p>
             <a:fld id="{DA9F4618-11DA-4336-9A08-E05DD3D30824}" type="datetimeFigureOut">
               <a:rPr lang="pt-BR" smtClean="0"/>
-              <a:t>07/09/2025</a:t>
+              <a:t>09/09/2025</a:t>
             </a:fld>
             <a:endParaRPr lang="pt-BR"/>
           </a:p>
@@ -3482,7 +3483,7 @@
           <a:p>
             <a:fld id="{DA9F4618-11DA-4336-9A08-E05DD3D30824}" type="datetimeFigureOut">
               <a:rPr lang="pt-BR" smtClean="0"/>
-              <a:t>07/09/2025</a:t>
+              <a:t>09/09/2025</a:t>
             </a:fld>
             <a:endParaRPr lang="pt-BR"/>
           </a:p>
@@ -3786,7 +3787,7 @@
           <a:p>
             <a:fld id="{DA9F4618-11DA-4336-9A08-E05DD3D30824}" type="datetimeFigureOut">
               <a:rPr lang="pt-BR" smtClean="0"/>
-              <a:t>07/09/2025</a:t>
+              <a:t>09/09/2025</a:t>
             </a:fld>
             <a:endParaRPr lang="pt-BR"/>
           </a:p>
@@ -7430,6 +7431,266 @@
 </file>
 
 <file path=ppt/slides/slide18.xml><?xml version="1.0" encoding="utf-8"?>
+<p:sld xmlns:a="http://schemas.openxmlformats.org/drawingml/2006/main" xmlns:r="http://schemas.openxmlformats.org/officeDocument/2006/relationships" xmlns:p="http://schemas.openxmlformats.org/presentationml/2006/main">
+  <p:cSld>
+    <p:spTree>
+      <p:nvGrpSpPr>
+        <p:cNvPr id="1" name=""/>
+        <p:cNvGrpSpPr/>
+        <p:nvPr/>
+      </p:nvGrpSpPr>
+      <p:grpSpPr>
+        <a:xfrm>
+          <a:off x="0" y="0"/>
+          <a:ext cx="0" cy="0"/>
+          <a:chOff x="0" y="0"/>
+          <a:chExt cx="0" cy="0"/>
+        </a:xfrm>
+      </p:grpSpPr>
+      <p:sp>
+        <p:nvSpPr>
+          <p:cNvPr id="2" name="Título 1">
+            <a:extLst>
+              <a:ext uri="{FF2B5EF4-FFF2-40B4-BE49-F238E27FC236}">
+                <a16:creationId xmlns:a16="http://schemas.microsoft.com/office/drawing/2014/main" id="{B5B74BF2-F0BD-4C65-88EB-663642906DF1}"/>
+              </a:ext>
+            </a:extLst>
+          </p:cNvPr>
+          <p:cNvSpPr>
+            <a:spLocks noGrp="1"/>
+          </p:cNvSpPr>
+          <p:nvPr>
+            <p:ph type="title"/>
+          </p:nvPr>
+        </p:nvSpPr>
+        <p:spPr>
+          <a:xfrm>
+            <a:off x="923924" y="132556"/>
+            <a:ext cx="11591925" cy="1193324"/>
+          </a:xfrm>
+        </p:spPr>
+        <p:txBody>
+          <a:bodyPr>
+            <a:normAutofit/>
+          </a:bodyPr>
+          <a:lstStyle/>
+          <a:p>
+            <a:r>
+              <a:rPr lang="pt-BR" dirty="0"/>
+              <a:t>Encontrar os caracteres que simbolizam NA</a:t>
+            </a:r>
+          </a:p>
+        </p:txBody>
+      </p:sp>
+      <p:sp>
+        <p:nvSpPr>
+          <p:cNvPr id="7" name="Espaço Reservado para Conteúdo 2">
+            <a:extLst>
+              <a:ext uri="{FF2B5EF4-FFF2-40B4-BE49-F238E27FC236}">
+                <a16:creationId xmlns:a16="http://schemas.microsoft.com/office/drawing/2014/main" id="{1CB00238-2FE3-4655-B90A-1282FC99DC3F}"/>
+              </a:ext>
+            </a:extLst>
+          </p:cNvPr>
+          <p:cNvSpPr>
+            <a:spLocks noGrp="1"/>
+          </p:cNvSpPr>
+          <p:nvPr>
+            <p:ph idx="1"/>
+          </p:nvPr>
+        </p:nvSpPr>
+        <p:spPr>
+          <a:xfrm>
+            <a:off x="457200" y="1554479"/>
+            <a:ext cx="12176760" cy="6005195"/>
+          </a:xfrm>
+        </p:spPr>
+        <p:txBody>
+          <a:bodyPr>
+            <a:normAutofit/>
+          </a:bodyPr>
+          <a:lstStyle/>
+          <a:p>
+            <a:r>
+              <a:rPr lang="pt-BR" dirty="0"/>
+              <a:t>Solução</a:t>
+            </a:r>
+          </a:p>
+          <a:p>
+            <a:pPr lvl="1"/>
+            <a:r>
+              <a:rPr lang="en-US" dirty="0"/>
+              <a:t>result = </a:t>
+            </a:r>
+            <a:r>
+              <a:rPr lang="en-US" dirty="0" err="1"/>
+              <a:t>df_gini</a:t>
+            </a:r>
+            <a:r>
+              <a:rPr lang="en-US" dirty="0"/>
+              <a:t>['1991'].apply(</a:t>
+            </a:r>
+          </a:p>
+          <a:p>
+            <a:pPr marL="457200" lvl="1" indent="0">
+              <a:buNone/>
+            </a:pPr>
+            <a:r>
+              <a:rPr lang="en-US" dirty="0"/>
+              <a:t>          lambda x: </a:t>
+            </a:r>
+          </a:p>
+          <a:p>
+            <a:pPr marL="457200" lvl="1" indent="0">
+              <a:buNone/>
+            </a:pPr>
+            <a:r>
+              <a:rPr lang="en-US" dirty="0"/>
+              <a:t>                x if not </a:t>
+            </a:r>
+            <a:r>
+              <a:rPr lang="en-US" dirty="0" err="1">
+                <a:solidFill>
+                  <a:srgbClr val="FF0000"/>
+                </a:solidFill>
+              </a:rPr>
+              <a:t>re.search</a:t>
+            </a:r>
+            <a:r>
+              <a:rPr lang="en-US" dirty="0">
+                <a:solidFill>
+                  <a:srgbClr val="FF0000"/>
+                </a:solidFill>
+              </a:rPr>
+              <a:t>('(-?(([0-9]+(.|,)?)+[0-9]*))', x)</a:t>
+            </a:r>
+            <a:r>
+              <a:rPr lang="en-US" dirty="0"/>
+              <a:t> else </a:t>
+            </a:r>
+            <a:r>
+              <a:rPr lang="en-US" dirty="0" err="1"/>
+              <a:t>np.nan</a:t>
+            </a:r>
+            <a:endParaRPr lang="en-US" dirty="0"/>
+          </a:p>
+          <a:p>
+            <a:pPr marL="457200" lvl="1" indent="0">
+              <a:buNone/>
+            </a:pPr>
+            <a:r>
+              <a:rPr lang="en-US" dirty="0"/>
+              <a:t>)</a:t>
+            </a:r>
+            <a:endParaRPr lang="pt-BR" dirty="0"/>
+          </a:p>
+        </p:txBody>
+      </p:sp>
+      <p:pic>
+        <p:nvPicPr>
+          <p:cNvPr id="5" name="Imagem 4">
+            <a:extLst>
+              <a:ext uri="{FF2B5EF4-FFF2-40B4-BE49-F238E27FC236}">
+                <a16:creationId xmlns:a16="http://schemas.microsoft.com/office/drawing/2014/main" id="{969DEF8F-65DB-42EC-82FA-A45121EF517B}"/>
+              </a:ext>
+            </a:extLst>
+          </p:cNvPr>
+          <p:cNvPicPr>
+            <a:picLocks noChangeAspect="1"/>
+          </p:cNvPicPr>
+          <p:nvPr/>
+        </p:nvPicPr>
+        <p:blipFill>
+          <a:blip r:embed="rId2"/>
+          <a:stretch>
+            <a:fillRect/>
+          </a:stretch>
+        </p:blipFill>
+        <p:spPr>
+          <a:xfrm>
+            <a:off x="2313622" y="4376962"/>
+            <a:ext cx="7379018" cy="1628234"/>
+          </a:xfrm>
+          <a:prstGeom prst="rect">
+            <a:avLst/>
+          </a:prstGeom>
+        </p:spPr>
+      </p:pic>
+      <p:sp>
+        <p:nvSpPr>
+          <p:cNvPr id="6" name="CustomShape 3">
+            <a:extLst>
+              <a:ext uri="{FF2B5EF4-FFF2-40B4-BE49-F238E27FC236}">
+                <a16:creationId xmlns:a16="http://schemas.microsoft.com/office/drawing/2014/main" id="{D0981A4E-EEA6-4AF6-B286-42B44E04CDCF}"/>
+              </a:ext>
+            </a:extLst>
+          </p:cNvPr>
+          <p:cNvSpPr/>
+          <p:nvPr/>
+        </p:nvSpPr>
+        <p:spPr>
+          <a:xfrm>
+            <a:off x="9941040" y="7157160"/>
+            <a:ext cx="3022920" cy="401400"/>
+          </a:xfrm>
+          <a:prstGeom prst="rect">
+            <a:avLst/>
+          </a:prstGeom>
+          <a:noFill/>
+          <a:ln>
+            <a:noFill/>
+          </a:ln>
+        </p:spPr>
+        <p:style>
+          <a:lnRef idx="0">
+            <a:scrgbClr r="0" g="0" b="0"/>
+          </a:lnRef>
+          <a:fillRef idx="0">
+            <a:scrgbClr r="0" g="0" b="0"/>
+          </a:fillRef>
+          <a:effectRef idx="0">
+            <a:scrgbClr r="0" g="0" b="0"/>
+          </a:effectRef>
+          <a:fontRef idx="minor"/>
+        </p:style>
+        <p:txBody>
+          <a:bodyPr lIns="90000" tIns="45000" rIns="90000" bIns="45000" anchor="ctr"/>
+          <a:lstStyle/>
+          <a:p>
+            <a:pPr algn="r">
+              <a:lnSpc>
+                <a:spcPct val="100000"/>
+              </a:lnSpc>
+            </a:pPr>
+            <a:fld id="{E41630A5-50A0-42D1-9024-10A5D4502CEA}" type="slidenum">
+              <a:rPr lang="pt-BR" sz="1330" b="0" strike="noStrike" spc="-1">
+                <a:solidFill>
+                  <a:srgbClr val="8B8B8B"/>
+                </a:solidFill>
+                <a:latin typeface="Calibri"/>
+                <a:ea typeface="DejaVu Sans"/>
+              </a:rPr>
+              <a:t>18</a:t>
+            </a:fld>
+            <a:endParaRPr lang="pt-BR" sz="1330" b="0" strike="noStrike" spc="-1">
+              <a:latin typeface="Arial"/>
+            </a:endParaRPr>
+          </a:p>
+        </p:txBody>
+      </p:sp>
+    </p:spTree>
+    <p:extLst>
+      <p:ext uri="{BB962C8B-B14F-4D97-AF65-F5344CB8AC3E}">
+        <p14:creationId xmlns:p14="http://schemas.microsoft.com/office/powerpoint/2010/main" val="983099187"/>
+      </p:ext>
+    </p:extLst>
+  </p:cSld>
+  <p:clrMapOvr>
+    <a:masterClrMapping/>
+  </p:clrMapOvr>
+</p:sld>
+</file>
+
+<file path=ppt/slides/slide19.xml><?xml version="1.0" encoding="utf-8"?>
 <p:sld xmlns:a="http://schemas.openxmlformats.org/drawingml/2006/main" xmlns:r="http://schemas.openxmlformats.org/officeDocument/2006/relationships" xmlns:p="http://schemas.openxmlformats.org/presentationml/2006/main">
   <p:cSld>
     <p:spTree>
